--- a/2018 ICOTS - Doehler and Taylor.pptx
+++ b/2018 ICOTS - Doehler and Taylor.pptx
@@ -155,10 +155,6 @@
 </p:presentation>
 </file>
 
-<file path=ppt/revisionInfo.xml><?xml version="1.0" encoding="utf-8"?>
-<p1510:revInfo xmlns:a="http://schemas.openxmlformats.org/drawingml/2006/main" xmlns:r="http://schemas.openxmlformats.org/officeDocument/2006/relationships" xmlns:p1510="http://schemas.microsoft.com/office/powerpoint/2015/10/main"/>
-</file>
-
 <file path=ppt/handoutMasters/handoutMaster1.xml><?xml version="1.0" encoding="utf-8"?>
 <p:handoutMaster xmlns:a="http://schemas.openxmlformats.org/drawingml/2006/main" xmlns:r="http://schemas.openxmlformats.org/officeDocument/2006/relationships" xmlns:p="http://schemas.openxmlformats.org/presentationml/2006/main">
   <p:cSld>
@@ -241,7 +237,7 @@
           <a:p>
             <a:fld id="{F1C12501-E106-40FC-9606-7BE201DB9B48}" type="datetimeFigureOut">
               <a:rPr lang="en-US" smtClean="0"/>
-              <a:t>7/10/2018</a:t>
+              <a:t>7/30/2018</a:t>
             </a:fld>
             <a:endParaRPr lang="en-US"/>
           </a:p>
@@ -406,7 +402,7 @@
           <a:p>
             <a:fld id="{0CFE222C-7AB3-424F-BA2D-DC5D22EDB867}" type="datetimeFigureOut">
               <a:rPr lang="en-US" smtClean="0"/>
-              <a:t>7/10/2018</a:t>
+              <a:t>7/30/2018</a:t>
             </a:fld>
             <a:endParaRPr lang="en-US"/>
           </a:p>
@@ -3035,7 +3031,7 @@
           <a:p>
             <a:fld id="{49648F48-9AFF-413E-9CE1-A896EED1647B}" type="datetimeFigureOut">
               <a:rPr lang="en-US" smtClean="0"/>
-              <a:t>7/10/2018</a:t>
+              <a:t>7/30/2018</a:t>
             </a:fld>
             <a:endParaRPr lang="en-US"/>
           </a:p>
@@ -3426,7 +3422,7 @@
           <a:p>
             <a:fld id="{49648F48-9AFF-413E-9CE1-A896EED1647B}" type="datetimeFigureOut">
               <a:rPr lang="en-US" smtClean="0"/>
-              <a:t>7/10/2018</a:t>
+              <a:t>7/30/2018</a:t>
             </a:fld>
             <a:endParaRPr lang="en-US"/>
           </a:p>
@@ -3958,7 +3954,7 @@
           <a:p>
             <a:fld id="{49648F48-9AFF-413E-9CE1-A896EED1647B}" type="datetimeFigureOut">
               <a:rPr lang="en-US" smtClean="0"/>
-              <a:t>7/10/2018</a:t>
+              <a:t>7/30/2018</a:t>
             </a:fld>
             <a:endParaRPr lang="en-US"/>
           </a:p>
@@ -4087,7 +4083,7 @@
           <a:p>
             <a:fld id="{49648F48-9AFF-413E-9CE1-A896EED1647B}" type="datetimeFigureOut">
               <a:rPr lang="en-US" smtClean="0"/>
-              <a:t>7/10/2018</a:t>
+              <a:t>7/30/2018</a:t>
             </a:fld>
             <a:endParaRPr lang="en-US"/>
           </a:p>
@@ -4643,7 +4639,7 @@
           <a:p>
             <a:fld id="{49648F48-9AFF-413E-9CE1-A896EED1647B}" type="datetimeFigureOut">
               <a:rPr lang="en-US" smtClean="0"/>
-              <a:t>7/10/2018</a:t>
+              <a:t>7/30/2018</a:t>
             </a:fld>
             <a:endParaRPr lang="en-US"/>
           </a:p>
@@ -4936,7 +4932,7 @@
           <a:p>
             <a:fld id="{49648F48-9AFF-413E-9CE1-A896EED1647B}" type="datetimeFigureOut">
               <a:rPr lang="en-US" smtClean="0"/>
-              <a:t>7/10/2018</a:t>
+              <a:t>7/30/2018</a:t>
             </a:fld>
             <a:endParaRPr lang="en-US"/>
           </a:p>
@@ -5595,7 +5591,7 @@
           <a:p>
             <a:fld id="{49648F48-9AFF-413E-9CE1-A896EED1647B}" type="datetimeFigureOut">
               <a:rPr lang="en-US" smtClean="0"/>
-              <a:t>7/10/2018</a:t>
+              <a:t>7/30/2018</a:t>
             </a:fld>
             <a:endParaRPr lang="en-US"/>
           </a:p>
@@ -6029,7 +6025,7 @@
           <a:p>
             <a:fld id="{49648F48-9AFF-413E-9CE1-A896EED1647B}" type="datetimeFigureOut">
               <a:rPr lang="en-US" smtClean="0"/>
-              <a:t>7/10/2018</a:t>
+              <a:t>7/30/2018</a:t>
             </a:fld>
             <a:endParaRPr lang="en-US"/>
           </a:p>
@@ -6342,7 +6338,7 @@
           <a:p>
             <a:fld id="{49648F48-9AFF-413E-9CE1-A896EED1647B}" type="datetimeFigureOut">
               <a:rPr lang="en-US" smtClean="0"/>
-              <a:t>7/10/2018</a:t>
+              <a:t>7/30/2018</a:t>
             </a:fld>
             <a:endParaRPr lang="en-US"/>
           </a:p>
@@ -7073,7 +7069,7 @@
           <a:p>
             <a:fld id="{49648F48-9AFF-413E-9CE1-A896EED1647B}" type="datetimeFigureOut">
               <a:rPr lang="en-US" smtClean="0"/>
-              <a:t>7/10/2018</a:t>
+              <a:t>7/30/2018</a:t>
             </a:fld>
             <a:endParaRPr lang="en-US"/>
           </a:p>
@@ -7736,7 +7732,7 @@
           <a:p>
             <a:fld id="{49648F48-9AFF-413E-9CE1-A896EED1647B}" type="datetimeFigureOut">
               <a:rPr lang="en-US" smtClean="0"/>
-              <a:t>7/10/2018</a:t>
+              <a:t>7/30/2018</a:t>
             </a:fld>
             <a:endParaRPr lang="en-US"/>
           </a:p>
@@ -8009,7 +8005,7 @@
           <a:p>
             <a:fld id="{49648F48-9AFF-413E-9CE1-A896EED1647B}" type="datetimeFigureOut">
               <a:rPr lang="en-US" smtClean="0"/>
-              <a:t>7/10/2018</a:t>
+              <a:t>7/30/2018</a:t>
             </a:fld>
             <a:endParaRPr lang="en-US"/>
           </a:p>
@@ -8690,7 +8686,12 @@
             <p:ph type="ctrTitle"/>
           </p:nvPr>
         </p:nvSpPr>
-        <p:spPr/>
+        <p:spPr>
+          <a:xfrm>
+            <a:off x="685800" y="381000"/>
+            <a:ext cx="7772400" cy="1752600"/>
+          </a:xfrm>
+        </p:spPr>
         <p:txBody>
           <a:bodyPr>
             <a:normAutofit/>
@@ -8720,8 +8721,8 @@
         </p:nvSpPr>
         <p:spPr>
           <a:xfrm>
-            <a:off x="1066800" y="3048000"/>
-            <a:ext cx="7162800" cy="830997"/>
+            <a:off x="2590800" y="5410200"/>
+            <a:ext cx="6477000" cy="769441"/>
           </a:xfrm>
           <a:prstGeom prst="rect">
             <a:avLst/>
@@ -8736,14 +8737,14 @@
           <a:p>
             <a:pPr algn="ctr"/>
             <a:r>
-              <a:rPr lang="en-US" sz="2400" i="1" dirty="0"/>
+              <a:rPr lang="en-US" sz="2200" i="1" dirty="0"/>
               <a:t>Kirsten Doehler (Associate Professor of Statistics) </a:t>
             </a:r>
           </a:p>
           <a:p>
             <a:pPr algn="ctr"/>
             <a:r>
-              <a:rPr lang="en-US" sz="2400" i="1" dirty="0"/>
+              <a:rPr lang="en-US" sz="2200" i="1" dirty="0"/>
               <a:t>Laura Taylor (Associate Professor of Statistics)</a:t>
             </a:r>
           </a:p>
@@ -8764,7 +8765,7 @@
         </p:blipFill>
         <p:spPr>
           <a:xfrm>
-            <a:off x="2147316" y="4191000"/>
+            <a:off x="3352800" y="3714325"/>
             <a:ext cx="4849368" cy="1706880"/>
           </a:xfrm>
           <a:prstGeom prst="rect">
@@ -8774,6 +8775,79 @@
           <a:ln>
             <a:noFill/>
           </a:ln>
+        </p:spPr>
+      </p:pic>
+      <p:sp>
+        <p:nvSpPr>
+          <p:cNvPr id="7" name="TextBox 6">
+            <a:extLst>
+              <a:ext uri="{FF2B5EF4-FFF2-40B4-BE49-F238E27FC236}">
+                <a16:creationId xmlns:a16="http://schemas.microsoft.com/office/drawing/2014/main" id="{3750CDD4-02BC-4ADA-A8BB-F2BDA6DF30CC}"/>
+              </a:ext>
+            </a:extLst>
+          </p:cNvPr>
+          <p:cNvSpPr txBox="1"/>
+          <p:nvPr/>
+        </p:nvSpPr>
+        <p:spPr>
+          <a:xfrm>
+            <a:off x="380999" y="4412159"/>
+            <a:ext cx="1991359" cy="769441"/>
+          </a:xfrm>
+          <a:prstGeom prst="rect">
+            <a:avLst/>
+          </a:prstGeom>
+          <a:noFill/>
+        </p:spPr>
+        <p:txBody>
+          <a:bodyPr wrap="square" rtlCol="0">
+            <a:spAutoFit/>
+          </a:bodyPr>
+          <a:lstStyle/>
+          <a:p>
+            <a:pPr algn="ctr"/>
+            <a:r>
+              <a:rPr lang="en-US" sz="2200" i="1" dirty="0"/>
+              <a:t>July 11, 2018</a:t>
+            </a:r>
+          </a:p>
+          <a:p>
+            <a:pPr algn="ctr"/>
+            <a:r>
+              <a:rPr lang="en-US" sz="2200" i="1" dirty="0"/>
+              <a:t>Kyoto, Japan</a:t>
+            </a:r>
+          </a:p>
+        </p:txBody>
+      </p:sp>
+      <p:pic>
+        <p:nvPicPr>
+          <p:cNvPr id="8" name="Picture 7">
+            <a:extLst>
+              <a:ext uri="{FF2B5EF4-FFF2-40B4-BE49-F238E27FC236}">
+                <a16:creationId xmlns:a16="http://schemas.microsoft.com/office/drawing/2014/main" id="{0F4F4DB4-05A4-40D5-87F8-70BA6E34D895}"/>
+              </a:ext>
+            </a:extLst>
+          </p:cNvPr>
+          <p:cNvPicPr>
+            <a:picLocks noChangeAspect="1"/>
+          </p:cNvPicPr>
+          <p:nvPr/>
+        </p:nvPicPr>
+        <p:blipFill>
+          <a:blip r:embed="rId4"/>
+          <a:stretch>
+            <a:fillRect/>
+          </a:stretch>
+        </p:blipFill>
+        <p:spPr>
+          <a:xfrm>
+            <a:off x="324178" y="2630131"/>
+            <a:ext cx="2077083" cy="1827144"/>
+          </a:xfrm>
+          <a:prstGeom prst="rect">
+            <a:avLst/>
+          </a:prstGeom>
         </p:spPr>
       </p:pic>
     </p:spTree>
@@ -9920,7 +9994,7 @@
         </p:nvGraphicFramePr>
         <p:xfrm>
           <a:off x="650747" y="4209288"/>
-          <a:ext cx="7883653" cy="1962912"/>
+          <a:ext cx="7883653" cy="1900428"/>
         </p:xfrm>
         <a:graphic>
           <a:graphicData uri="http://schemas.openxmlformats.org/drawingml/2006/table">
@@ -13330,8 +13404,13 @@
           <a:p>
             <a:r>
               <a:rPr lang="en-US" sz="2200" dirty="0"/>
-              <a:t>SNAP project provides an opportunity for students to work     on a project which helps them gain statistical skills while simultaneously thinking critically about issues of diversity and social justice.  Therefore, regardless of M-GUDS results, it’s worth trying.</a:t>
-            </a:r>
+              <a:t>SNAP project provides an opportunity for students to work     on a project which helps them gain statistical skills while simultaneously thinking critically about issues of diversity and social justice.  Therefore, regardless of M-GUDS results, it’s worth trying this project with SNAP data (or </a:t>
+            </a:r>
+            <a:r>
+              <a:rPr lang="en-US" sz="2200"/>
+              <a:t>other data!)</a:t>
+            </a:r>
+            <a:endParaRPr lang="en-US" sz="2200" dirty="0"/>
           </a:p>
           <a:p>
             <a:pPr marL="0" indent="0">
@@ -15248,7 +15327,7 @@
         </p:nvGraphicFramePr>
         <p:xfrm>
           <a:off x="533400" y="1752600"/>
-          <a:ext cx="8001001" cy="4285377"/>
+          <a:ext cx="8001001" cy="4272359"/>
         </p:xfrm>
         <a:graphic>
           <a:graphicData uri="http://schemas.openxmlformats.org/drawingml/2006/table">
